--- a/Documents/Poster.pptx
+++ b/Documents/Poster.pptx
@@ -771,7 +771,7 @@
           <a:p>
             <a:fld id="{40B2206F-7194-4E11-805A-5295AF5385CE}" type="datetimeFigureOut">
               <a:rPr lang="en-GB" smtClean="0"/>
-              <a:t>29/04/2024</a:t>
+              <a:t>30/04/2024</a:t>
             </a:fld>
             <a:endParaRPr lang="en-GB"/>
           </a:p>
@@ -1259,7 +1259,7 @@
           <a:p>
             <a:fld id="{1381CABE-BD8A-4ED8-BE60-32148880DEC7}" type="datetimeFigureOut">
               <a:rPr lang="en-GB" smtClean="0"/>
-              <a:t>29/04/2024</a:t>
+              <a:t>30/04/2024</a:t>
             </a:fld>
             <a:endParaRPr lang="en-GB"/>
           </a:p>
@@ -1429,7 +1429,7 @@
           <a:p>
             <a:fld id="{1381CABE-BD8A-4ED8-BE60-32148880DEC7}" type="datetimeFigureOut">
               <a:rPr lang="en-GB" smtClean="0"/>
-              <a:t>29/04/2024</a:t>
+              <a:t>30/04/2024</a:t>
             </a:fld>
             <a:endParaRPr lang="en-GB"/>
           </a:p>
@@ -1609,7 +1609,7 @@
           <a:p>
             <a:fld id="{1381CABE-BD8A-4ED8-BE60-32148880DEC7}" type="datetimeFigureOut">
               <a:rPr lang="en-GB" smtClean="0"/>
-              <a:t>29/04/2024</a:t>
+              <a:t>30/04/2024</a:t>
             </a:fld>
             <a:endParaRPr lang="en-GB"/>
           </a:p>
@@ -1779,7 +1779,7 @@
           <a:p>
             <a:fld id="{1381CABE-BD8A-4ED8-BE60-32148880DEC7}" type="datetimeFigureOut">
               <a:rPr lang="en-GB" smtClean="0"/>
-              <a:t>29/04/2024</a:t>
+              <a:t>30/04/2024</a:t>
             </a:fld>
             <a:endParaRPr lang="en-GB"/>
           </a:p>
@@ -2023,7 +2023,7 @@
           <a:p>
             <a:fld id="{1381CABE-BD8A-4ED8-BE60-32148880DEC7}" type="datetimeFigureOut">
               <a:rPr lang="en-GB" smtClean="0"/>
-              <a:t>29/04/2024</a:t>
+              <a:t>30/04/2024</a:t>
             </a:fld>
             <a:endParaRPr lang="en-GB"/>
           </a:p>
@@ -2255,7 +2255,7 @@
           <a:p>
             <a:fld id="{1381CABE-BD8A-4ED8-BE60-32148880DEC7}" type="datetimeFigureOut">
               <a:rPr lang="en-GB" smtClean="0"/>
-              <a:t>29/04/2024</a:t>
+              <a:t>30/04/2024</a:t>
             </a:fld>
             <a:endParaRPr lang="en-GB"/>
           </a:p>
@@ -2622,7 +2622,7 @@
           <a:p>
             <a:fld id="{1381CABE-BD8A-4ED8-BE60-32148880DEC7}" type="datetimeFigureOut">
               <a:rPr lang="en-GB" smtClean="0"/>
-              <a:t>29/04/2024</a:t>
+              <a:t>30/04/2024</a:t>
             </a:fld>
             <a:endParaRPr lang="en-GB"/>
           </a:p>
@@ -2740,7 +2740,7 @@
           <a:p>
             <a:fld id="{1381CABE-BD8A-4ED8-BE60-32148880DEC7}" type="datetimeFigureOut">
               <a:rPr lang="en-GB" smtClean="0"/>
-              <a:t>29/04/2024</a:t>
+              <a:t>30/04/2024</a:t>
             </a:fld>
             <a:endParaRPr lang="en-GB"/>
           </a:p>
@@ -2835,7 +2835,7 @@
           <a:p>
             <a:fld id="{1381CABE-BD8A-4ED8-BE60-32148880DEC7}" type="datetimeFigureOut">
               <a:rPr lang="en-GB" smtClean="0"/>
-              <a:t>29/04/2024</a:t>
+              <a:t>30/04/2024</a:t>
             </a:fld>
             <a:endParaRPr lang="en-GB"/>
           </a:p>
@@ -3112,7 +3112,7 @@
           <a:p>
             <a:fld id="{1381CABE-BD8A-4ED8-BE60-32148880DEC7}" type="datetimeFigureOut">
               <a:rPr lang="en-GB" smtClean="0"/>
-              <a:t>29/04/2024</a:t>
+              <a:t>30/04/2024</a:t>
             </a:fld>
             <a:endParaRPr lang="en-GB"/>
           </a:p>
@@ -3369,7 +3369,7 @@
           <a:p>
             <a:fld id="{1381CABE-BD8A-4ED8-BE60-32148880DEC7}" type="datetimeFigureOut">
               <a:rPr lang="en-GB" smtClean="0"/>
-              <a:t>29/04/2024</a:t>
+              <a:t>30/04/2024</a:t>
             </a:fld>
             <a:endParaRPr lang="en-GB"/>
           </a:p>
@@ -3582,7 +3582,7 @@
           <a:p>
             <a:fld id="{1381CABE-BD8A-4ED8-BE60-32148880DEC7}" type="datetimeFigureOut">
               <a:rPr lang="en-GB" smtClean="0"/>
-              <a:t>29/04/2024</a:t>
+              <a:t>30/04/2024</a:t>
             </a:fld>
             <a:endParaRPr lang="en-GB"/>
           </a:p>
@@ -3989,19 +3989,463 @@
       </p:grpSpPr>
       <p:grpSp>
         <p:nvGrpSpPr>
-          <p:cNvPr id="18" name="Group 17">
+          <p:cNvPr id="50" name="Footer">
             <a:extLst>
               <a:ext uri="{FF2B5EF4-FFF2-40B4-BE49-F238E27FC236}">
-                <a16:creationId xmlns:a16="http://schemas.microsoft.com/office/drawing/2014/main" id="{1258F407-6440-B8B1-3C45-1ABA3E1F34AF}"/>
+                <a16:creationId xmlns:a16="http://schemas.microsoft.com/office/drawing/2014/main" id="{D78B7ED1-CED9-D294-A53C-59C72552342E}"/>
               </a:ext>
             </a:extLst>
           </p:cNvPr>
-          <p:cNvGrpSpPr/>
+          <p:cNvGrpSpPr>
+            <a:grpSpLocks noGrp="1" noUngrp="1" noRot="1" noMove="1" noResize="1"/>
+          </p:cNvGrpSpPr>
           <p:nvPr/>
         </p:nvGrpSpPr>
         <p:grpSpPr>
           <a:xfrm>
-            <a:off x="8834641" y="1900579"/>
+            <a:off x="-1" y="19365610"/>
+            <a:ext cx="30275213" cy="2018015"/>
+            <a:chOff x="-1" y="19365610"/>
+            <a:chExt cx="30275213" cy="2018015"/>
+          </a:xfrm>
+        </p:grpSpPr>
+        <p:sp>
+          <p:nvSpPr>
+            <p:cNvPr id="33" name="Footer background">
+              <a:extLst>
+                <a:ext uri="{FF2B5EF4-FFF2-40B4-BE49-F238E27FC236}">
+                  <a16:creationId xmlns:a16="http://schemas.microsoft.com/office/drawing/2014/main" id="{3D6F8CB4-3F0F-DA93-E0ED-08BD82ADA4CE}"/>
+                </a:ext>
+              </a:extLst>
+            </p:cNvPr>
+            <p:cNvSpPr>
+              <a:spLocks noGrp="1" noRot="1" noMove="1" noResize="1" noEditPoints="1" noAdjustHandles="1" noChangeArrowheads="1" noChangeShapeType="1"/>
+            </p:cNvSpPr>
+            <p:nvPr/>
+          </p:nvSpPr>
+          <p:spPr>
+            <a:xfrm>
+              <a:off x="-1" y="19365610"/>
+              <a:ext cx="30275213" cy="2018015"/>
+            </a:xfrm>
+            <a:prstGeom prst="rect">
+              <a:avLst/>
+            </a:prstGeom>
+            <a:solidFill>
+              <a:srgbClr val="22252A"/>
+            </a:solidFill>
+            <a:ln>
+              <a:solidFill>
+                <a:srgbClr val="22252A"/>
+              </a:solidFill>
+            </a:ln>
+          </p:spPr>
+          <p:style>
+            <a:lnRef idx="2">
+              <a:schemeClr val="accent1">
+                <a:shade val="15000"/>
+              </a:schemeClr>
+            </a:lnRef>
+            <a:fillRef idx="1">
+              <a:schemeClr val="accent1"/>
+            </a:fillRef>
+            <a:effectRef idx="0">
+              <a:schemeClr val="accent1"/>
+            </a:effectRef>
+            <a:fontRef idx="minor">
+              <a:schemeClr val="lt1"/>
+            </a:fontRef>
+          </p:style>
+          <p:txBody>
+            <a:bodyPr rtlCol="0" anchor="ctr"/>
+            <a:lstStyle/>
+            <a:p>
+              <a:pPr algn="ctr"/>
+              <a:endParaRPr lang="en-US"/>
+            </a:p>
+          </p:txBody>
+        </p:sp>
+        <p:pic>
+          <p:nvPicPr>
+            <p:cNvPr id="47" name="NodeJS">
+              <a:extLst>
+                <a:ext uri="{FF2B5EF4-FFF2-40B4-BE49-F238E27FC236}">
+                  <a16:creationId xmlns:a16="http://schemas.microsoft.com/office/drawing/2014/main" id="{1C6DFDF9-3D85-2D5E-A2AE-D2B20204FBBD}"/>
+                </a:ext>
+              </a:extLst>
+            </p:cNvPr>
+            <p:cNvPicPr>
+              <a:picLocks noGrp="1" noRot="1" noChangeAspect="1" noMove="1" noResize="1" noEditPoints="1" noAdjustHandles="1" noChangeArrowheads="1" noChangeShapeType="1" noCrop="1"/>
+            </p:cNvPicPr>
+            <p:nvPr/>
+          </p:nvPicPr>
+          <p:blipFill>
+            <a:blip r:embed="rId3">
+              <a:extLst>
+                <a:ext uri="{28A0092B-C50C-407E-A947-70E740481C1C}">
+                  <a14:useLocalDpi xmlns:a14="http://schemas.microsoft.com/office/drawing/2010/main" val="0"/>
+                </a:ext>
+                <a:ext uri="{96DAC541-7B7A-43D3-8B79-37D633B846F1}">
+                  <asvg:svgBlip xmlns:asvg="http://schemas.microsoft.com/office/drawing/2016/SVG/main" r:embed="rId4"/>
+                </a:ext>
+              </a:extLst>
+            </a:blip>
+            <a:stretch>
+              <a:fillRect/>
+            </a:stretch>
+          </p:blipFill>
+          <p:spPr>
+            <a:xfrm>
+              <a:off x="27536160" y="19800417"/>
+              <a:ext cx="1873036" cy="1148400"/>
+            </a:xfrm>
+            <a:prstGeom prst="rect">
+              <a:avLst/>
+            </a:prstGeom>
+          </p:spPr>
+        </p:pic>
+        <p:pic>
+          <p:nvPicPr>
+            <p:cNvPr id="49" name="JavaScript">
+              <a:extLst>
+                <a:ext uri="{FF2B5EF4-FFF2-40B4-BE49-F238E27FC236}">
+                  <a16:creationId xmlns:a16="http://schemas.microsoft.com/office/drawing/2014/main" id="{BC611078-1025-2034-FA73-7B40E56FBD56}"/>
+                </a:ext>
+              </a:extLst>
+            </p:cNvPr>
+            <p:cNvPicPr>
+              <a:picLocks noGrp="1" noRot="1" noChangeAspect="1" noMove="1" noResize="1" noEditPoints="1" noAdjustHandles="1" noChangeArrowheads="1" noChangeShapeType="1" noCrop="1"/>
+            </p:cNvPicPr>
+            <p:nvPr/>
+          </p:nvPicPr>
+          <p:blipFill>
+            <a:blip r:embed="rId5">
+              <a:extLst>
+                <a:ext uri="{28A0092B-C50C-407E-A947-70E740481C1C}">
+                  <a14:useLocalDpi xmlns:a14="http://schemas.microsoft.com/office/drawing/2010/main" val="0"/>
+                </a:ext>
+                <a:ext uri="{96DAC541-7B7A-43D3-8B79-37D633B846F1}">
+                  <asvg:svgBlip xmlns:asvg="http://schemas.microsoft.com/office/drawing/2016/SVG/main" r:embed="rId6"/>
+                </a:ext>
+              </a:extLst>
+            </a:blip>
+            <a:stretch>
+              <a:fillRect/>
+            </a:stretch>
+          </p:blipFill>
+          <p:spPr>
+            <a:xfrm>
+              <a:off x="25505330" y="19800417"/>
+              <a:ext cx="1148400" cy="1148400"/>
+            </a:xfrm>
+            <a:prstGeom prst="roundRect">
+              <a:avLst>
+                <a:gd name="adj" fmla="val 11839"/>
+              </a:avLst>
+            </a:prstGeom>
+          </p:spPr>
+        </p:pic>
+        <p:pic>
+          <p:nvPicPr>
+            <p:cNvPr id="43" name="CSS">
+              <a:extLst>
+                <a:ext uri="{FF2B5EF4-FFF2-40B4-BE49-F238E27FC236}">
+                  <a16:creationId xmlns:a16="http://schemas.microsoft.com/office/drawing/2014/main" id="{E7527655-FCD8-AC97-35B8-691FB98B757E}"/>
+                </a:ext>
+              </a:extLst>
+            </p:cNvPr>
+            <p:cNvPicPr>
+              <a:picLocks noGrp="1" noRot="1" noChangeAspect="1" noMove="1" noResize="1" noEditPoints="1" noAdjustHandles="1" noChangeArrowheads="1" noChangeShapeType="1" noCrop="1"/>
+            </p:cNvPicPr>
+            <p:nvPr/>
+          </p:nvPicPr>
+          <p:blipFill>
+            <a:blip r:embed="rId7">
+              <a:extLst>
+                <a:ext uri="{28A0092B-C50C-407E-A947-70E740481C1C}">
+                  <a14:useLocalDpi xmlns:a14="http://schemas.microsoft.com/office/drawing/2010/main" val="0"/>
+                </a:ext>
+                <a:ext uri="{96DAC541-7B7A-43D3-8B79-37D633B846F1}">
+                  <asvg:svgBlip xmlns:asvg="http://schemas.microsoft.com/office/drawing/2016/SVG/main" r:embed="rId8"/>
+                </a:ext>
+              </a:extLst>
+            </a:blip>
+            <a:stretch>
+              <a:fillRect/>
+            </a:stretch>
+          </p:blipFill>
+          <p:spPr>
+            <a:xfrm>
+              <a:off x="23808703" y="19800417"/>
+              <a:ext cx="814197" cy="1148400"/>
+            </a:xfrm>
+            <a:prstGeom prst="rect">
+              <a:avLst/>
+            </a:prstGeom>
+          </p:spPr>
+        </p:pic>
+        <p:pic>
+          <p:nvPicPr>
+            <p:cNvPr id="45" name="HTML">
+              <a:extLst>
+                <a:ext uri="{FF2B5EF4-FFF2-40B4-BE49-F238E27FC236}">
+                  <a16:creationId xmlns:a16="http://schemas.microsoft.com/office/drawing/2014/main" id="{CA6750B0-E9AD-FF6E-81D8-66184EEBE590}"/>
+                </a:ext>
+              </a:extLst>
+            </p:cNvPr>
+            <p:cNvPicPr>
+              <a:picLocks noGrp="1" noRot="1" noChangeAspect="1" noMove="1" noResize="1" noEditPoints="1" noAdjustHandles="1" noChangeArrowheads="1" noChangeShapeType="1" noCrop="1"/>
+            </p:cNvPicPr>
+            <p:nvPr/>
+          </p:nvPicPr>
+          <p:blipFill>
+            <a:blip r:embed="rId9">
+              <a:extLst>
+                <a:ext uri="{28A0092B-C50C-407E-A947-70E740481C1C}">
+                  <a14:useLocalDpi xmlns:a14="http://schemas.microsoft.com/office/drawing/2010/main" val="0"/>
+                </a:ext>
+                <a:ext uri="{96DAC541-7B7A-43D3-8B79-37D633B846F1}">
+                  <asvg:svgBlip xmlns:asvg="http://schemas.microsoft.com/office/drawing/2016/SVG/main" r:embed="rId10"/>
+                </a:ext>
+              </a:extLst>
+            </a:blip>
+            <a:stretch>
+              <a:fillRect/>
+            </a:stretch>
+          </p:blipFill>
+          <p:spPr>
+            <a:xfrm>
+              <a:off x="21777873" y="19800417"/>
+              <a:ext cx="1148400" cy="1148400"/>
+            </a:xfrm>
+            <a:prstGeom prst="rect">
+              <a:avLst/>
+            </a:prstGeom>
+          </p:spPr>
+        </p:pic>
+        <p:sp>
+          <p:nvSpPr>
+            <p:cNvPr id="36" name="Details">
+              <a:extLst>
+                <a:ext uri="{FF2B5EF4-FFF2-40B4-BE49-F238E27FC236}">
+                  <a16:creationId xmlns:a16="http://schemas.microsoft.com/office/drawing/2014/main" id="{DF6291FB-A50D-788E-0AB3-1C660D2B9066}"/>
+                </a:ext>
+              </a:extLst>
+            </p:cNvPr>
+            <p:cNvSpPr txBox="1">
+              <a:spLocks noGrp="1" noRot="1" noMove="1" noResize="1" noEditPoints="1" noAdjustHandles="1" noChangeArrowheads="1" noChangeShapeType="1"/>
+            </p:cNvSpPr>
+            <p:nvPr/>
+          </p:nvSpPr>
+          <p:spPr>
+            <a:xfrm>
+              <a:off x="12615443" y="19743675"/>
+              <a:ext cx="8280000" cy="1261884"/>
+            </a:xfrm>
+            <a:prstGeom prst="rect">
+              <a:avLst/>
+            </a:prstGeom>
+            <a:noFill/>
+          </p:spPr>
+          <p:txBody>
+            <a:bodyPr wrap="square" rtlCol="0" anchor="ctr">
+              <a:spAutoFit/>
+            </a:bodyPr>
+            <a:lstStyle/>
+            <a:p>
+              <a:r>
+                <a:rPr lang="en-US" sz="3000" dirty="0">
+                  <a:solidFill>
+                    <a:schemeClr val="bg1"/>
+                  </a:solidFill>
+                </a:rPr>
+                <a:t>luka.wilson-green@students.plymouth.ac.uk</a:t>
+              </a:r>
+            </a:p>
+            <a:p>
+              <a:endParaRPr lang="en-US" sz="1600" dirty="0">
+                <a:solidFill>
+                  <a:schemeClr val="bg1"/>
+                </a:solidFill>
+              </a:endParaRPr>
+            </a:p>
+            <a:p>
+              <a:r>
+                <a:rPr lang="en-US" sz="3000" dirty="0">
+                  <a:solidFill>
+                    <a:schemeClr val="bg1"/>
+                  </a:solidFill>
+                </a:rPr>
+                <a:t>BSc(Hons) Computer Science (Software Engineering)</a:t>
+              </a:r>
+            </a:p>
+          </p:txBody>
+        </p:sp>
+        <p:sp>
+          <p:nvSpPr>
+            <p:cNvPr id="35" name="Name">
+              <a:extLst>
+                <a:ext uri="{FF2B5EF4-FFF2-40B4-BE49-F238E27FC236}">
+                  <a16:creationId xmlns:a16="http://schemas.microsoft.com/office/drawing/2014/main" id="{0B134DBA-3998-65EB-6721-6AA169A2ED78}"/>
+                </a:ext>
+              </a:extLst>
+            </p:cNvPr>
+            <p:cNvSpPr txBox="1">
+              <a:spLocks noGrp="1" noRot="1" noMove="1" noResize="1" noEditPoints="1" noAdjustHandles="1" noChangeArrowheads="1" noChangeShapeType="1"/>
+            </p:cNvSpPr>
+            <p:nvPr/>
+          </p:nvSpPr>
+          <p:spPr>
+            <a:xfrm>
+              <a:off x="7737013" y="20020674"/>
+              <a:ext cx="3996000" cy="707886"/>
+            </a:xfrm>
+            <a:prstGeom prst="rect">
+              <a:avLst/>
+            </a:prstGeom>
+            <a:noFill/>
+          </p:spPr>
+          <p:txBody>
+            <a:bodyPr wrap="square" rtlCol="0" anchor="ctr">
+              <a:spAutoFit/>
+            </a:bodyPr>
+            <a:lstStyle/>
+            <a:p>
+              <a:r>
+                <a:rPr lang="en-US" sz="3600" dirty="0">
+                  <a:solidFill>
+                    <a:schemeClr val="bg1"/>
+                  </a:solidFill>
+                </a:rPr>
+                <a:t>Luka </a:t>
+              </a:r>
+              <a:r>
+                <a:rPr lang="en-US" sz="4000" dirty="0">
+                  <a:solidFill>
+                    <a:schemeClr val="bg1"/>
+                  </a:solidFill>
+                </a:rPr>
+                <a:t>Wilson-Green</a:t>
+              </a:r>
+            </a:p>
+          </p:txBody>
+        </p:sp>
+        <p:pic>
+          <p:nvPicPr>
+            <p:cNvPr id="16" name="University of Plymouth">
+              <a:extLst>
+                <a:ext uri="{FF2B5EF4-FFF2-40B4-BE49-F238E27FC236}">
+                  <a16:creationId xmlns:a16="http://schemas.microsoft.com/office/drawing/2014/main" id="{43ADCB78-461A-A5A5-0871-2D9E074E0F8D}"/>
+                </a:ext>
+              </a:extLst>
+            </p:cNvPr>
+            <p:cNvPicPr>
+              <a:picLocks noGrp="1" noRot="1" noChangeAspect="1" noMove="1" noResize="1" noEditPoints="1" noAdjustHandles="1" noChangeArrowheads="1" noChangeShapeType="1" noCrop="1"/>
+            </p:cNvPicPr>
+            <p:nvPr/>
+          </p:nvPicPr>
+          <p:blipFill>
+            <a:blip r:embed="rId11">
+              <a:extLst>
+                <a:ext uri="{28A0092B-C50C-407E-A947-70E740481C1C}">
+                  <a14:useLocalDpi xmlns:a14="http://schemas.microsoft.com/office/drawing/2010/main" val="0"/>
+                </a:ext>
+                <a:ext uri="{96DAC541-7B7A-43D3-8B79-37D633B846F1}">
+                  <asvg:svgBlip xmlns:asvg="http://schemas.microsoft.com/office/drawing/2016/SVG/main" r:embed="rId12"/>
+                </a:ext>
+              </a:extLst>
+            </a:blip>
+            <a:stretch>
+              <a:fillRect/>
+            </a:stretch>
+          </p:blipFill>
+          <p:spPr>
+            <a:xfrm>
+              <a:off x="1130237" y="19800766"/>
+              <a:ext cx="5724346" cy="1147703"/>
+            </a:xfrm>
+            <a:prstGeom prst="rect">
+              <a:avLst/>
+            </a:prstGeom>
+          </p:spPr>
+        </p:pic>
+      </p:grpSp>
+      <p:pic>
+        <p:nvPicPr>
+          <p:cNvPr id="11" name="App dark mode">
+            <a:extLst>
+              <a:ext uri="{FF2B5EF4-FFF2-40B4-BE49-F238E27FC236}">
+                <a16:creationId xmlns:a16="http://schemas.microsoft.com/office/drawing/2014/main" id="{1EC3D99B-5500-29B7-DB59-C5A7DE9E57AA}"/>
+              </a:ext>
+            </a:extLst>
+          </p:cNvPr>
+          <p:cNvPicPr>
+            <a:picLocks noGrp="1" noRot="1" noChangeAspect="1" noMove="1" noResize="1" noEditPoints="1" noAdjustHandles="1" noChangeArrowheads="1" noChangeShapeType="1" noCrop="1"/>
+          </p:cNvPicPr>
+          <p:nvPr/>
+        </p:nvPicPr>
+        <p:blipFill>
+          <a:blip r:embed="rId13"/>
+          <a:stretch>
+            <a:fillRect/>
+          </a:stretch>
+        </p:blipFill>
+        <p:spPr>
+          <a:xfrm>
+            <a:off x="1130237" y="10113593"/>
+            <a:ext cx="13731857" cy="8996400"/>
+          </a:xfrm>
+          <a:prstGeom prst="rect">
+            <a:avLst/>
+          </a:prstGeom>
+        </p:spPr>
+      </p:pic>
+      <p:pic>
+        <p:nvPicPr>
+          <p:cNvPr id="10" name="App light mode">
+            <a:extLst>
+              <a:ext uri="{FF2B5EF4-FFF2-40B4-BE49-F238E27FC236}">
+                <a16:creationId xmlns:a16="http://schemas.microsoft.com/office/drawing/2014/main" id="{F070F784-EE12-FBE2-26AC-FDC22433EBAC}"/>
+              </a:ext>
+            </a:extLst>
+          </p:cNvPr>
+          <p:cNvPicPr>
+            <a:picLocks noGrp="1" noRot="1" noChangeAspect="1" noMove="1" noResize="1" noEditPoints="1" noAdjustHandles="1" noChangeArrowheads="1" noChangeShapeType="1" noCrop="1"/>
+          </p:cNvPicPr>
+          <p:nvPr/>
+        </p:nvPicPr>
+        <p:blipFill rotWithShape="1">
+          <a:blip r:embed="rId14"/>
+          <a:srcRect b="2185"/>
+          <a:stretch/>
+        </p:blipFill>
+        <p:spPr>
+          <a:xfrm>
+            <a:off x="15666669" y="1695321"/>
+            <a:ext cx="13731995" cy="8799939"/>
+          </a:xfrm>
+          <a:prstGeom prst="rect">
+            <a:avLst/>
+          </a:prstGeom>
+        </p:spPr>
+      </p:pic>
+      <p:grpSp>
+        <p:nvGrpSpPr>
+          <p:cNvPr id="22" name="Future development">
+            <a:extLst>
+              <a:ext uri="{FF2B5EF4-FFF2-40B4-BE49-F238E27FC236}">
+                <a16:creationId xmlns:a16="http://schemas.microsoft.com/office/drawing/2014/main" id="{D3BBAA6F-3616-52FC-532F-19BB93464D75}"/>
+              </a:ext>
+            </a:extLst>
+          </p:cNvPr>
+          <p:cNvGrpSpPr>
+            <a:grpSpLocks noGrp="1" noUngrp="1" noRot="1" noMove="1" noResize="1"/>
+          </p:cNvGrpSpPr>
+          <p:nvPr/>
+        </p:nvGrpSpPr>
+        <p:grpSpPr>
+          <a:xfrm>
+            <a:off x="23154465" y="11143760"/>
             <a:ext cx="5760421" cy="7635309"/>
             <a:chOff x="1730096" y="3910697"/>
             <a:chExt cx="7924800" cy="6436461"/>
@@ -4009,14 +4453,16 @@
         </p:grpSpPr>
         <p:sp>
           <p:nvSpPr>
-            <p:cNvPr id="19" name="Rounded Rectangle 18">
+            <p:cNvPr id="23" name="Background">
               <a:extLst>
                 <a:ext uri="{FF2B5EF4-FFF2-40B4-BE49-F238E27FC236}">
-                  <a16:creationId xmlns:a16="http://schemas.microsoft.com/office/drawing/2014/main" id="{256AB5C0-868B-0FB7-2A26-43861661F344}"/>
+                  <a16:creationId xmlns:a16="http://schemas.microsoft.com/office/drawing/2014/main" id="{08E2696F-FDE8-E9FD-0213-F78728546B5E}"/>
                 </a:ext>
               </a:extLst>
             </p:cNvPr>
-            <p:cNvSpPr/>
+            <p:cNvSpPr>
+              <a:spLocks noGrp="1" noRot="1" noMove="1" noResize="1" noEditPoints="1" noAdjustHandles="1" noChangeArrowheads="1" noChangeShapeType="1"/>
+            </p:cNvSpPr>
             <p:nvPr/>
           </p:nvSpPr>
           <p:spPr>
@@ -4638,53 +5084,16 @@
         </p:sp>
         <p:sp>
           <p:nvSpPr>
-            <p:cNvPr id="20" name="TextBox 19">
+            <p:cNvPr id="25" name="Text">
               <a:extLst>
                 <a:ext uri="{FF2B5EF4-FFF2-40B4-BE49-F238E27FC236}">
-                  <a16:creationId xmlns:a16="http://schemas.microsoft.com/office/drawing/2014/main" id="{2A94075E-9A7A-2C21-0D9C-66B56BB2CCA7}"/>
+                  <a16:creationId xmlns:a16="http://schemas.microsoft.com/office/drawing/2014/main" id="{73984873-335A-407A-752F-D2727F37B794}"/>
                 </a:ext>
               </a:extLst>
             </p:cNvPr>
-            <p:cNvSpPr txBox="1"/>
-            <p:nvPr/>
-          </p:nvSpPr>
-          <p:spPr>
-            <a:xfrm>
-              <a:off x="1730096" y="4381965"/>
-              <a:ext cx="7924800" cy="596738"/>
-            </a:xfrm>
-            <a:prstGeom prst="rect">
-              <a:avLst/>
-            </a:prstGeom>
-            <a:noFill/>
-          </p:spPr>
-          <p:txBody>
-            <a:bodyPr wrap="square" rtlCol="0">
-              <a:spAutoFit/>
-            </a:bodyPr>
-            <a:lstStyle/>
-            <a:p>
-              <a:pPr algn="ctr"/>
-              <a:r>
-                <a:rPr lang="en-US" sz="4000" b="1" dirty="0">
-                  <a:latin typeface="Arial" panose="020B0604020202020204" pitchFamily="34" charset="0"/>
-                  <a:cs typeface="Arial" panose="020B0604020202020204" pitchFamily="34" charset="0"/>
-                </a:rPr>
-                <a:t>Key Features</a:t>
-              </a:r>
-            </a:p>
-          </p:txBody>
-        </p:sp>
-        <p:sp>
-          <p:nvSpPr>
-            <p:cNvPr id="21" name="TextBox 20">
-              <a:extLst>
-                <a:ext uri="{FF2B5EF4-FFF2-40B4-BE49-F238E27FC236}">
-                  <a16:creationId xmlns:a16="http://schemas.microsoft.com/office/drawing/2014/main" id="{D235D8EA-6DF7-BCDE-16EE-60D7434CB5A8}"/>
-                </a:ext>
-              </a:extLst>
-            </p:cNvPr>
-            <p:cNvSpPr txBox="1"/>
+            <p:cNvSpPr txBox="1">
+              <a:spLocks noGrp="1" noRot="1" noMove="1" noResize="1" noEditPoints="1" noAdjustHandles="1" noChangeArrowheads="1" noChangeShapeType="1"/>
+            </p:cNvSpPr>
             <p:nvPr/>
           </p:nvSpPr>
           <p:spPr>
@@ -4791,125 +5200,65 @@
             </a:p>
           </p:txBody>
         </p:sp>
+        <p:sp>
+          <p:nvSpPr>
+            <p:cNvPr id="24" name="Title">
+              <a:extLst>
+                <a:ext uri="{FF2B5EF4-FFF2-40B4-BE49-F238E27FC236}">
+                  <a16:creationId xmlns:a16="http://schemas.microsoft.com/office/drawing/2014/main" id="{64C2932D-6C18-CFC2-07CD-F08E48858303}"/>
+                </a:ext>
+              </a:extLst>
+            </p:cNvPr>
+            <p:cNvSpPr txBox="1">
+              <a:spLocks noGrp="1" noRot="1" noMove="1" noResize="1" noEditPoints="1" noAdjustHandles="1" noChangeArrowheads="1" noChangeShapeType="1"/>
+            </p:cNvSpPr>
+            <p:nvPr/>
+          </p:nvSpPr>
+          <p:spPr>
+            <a:xfrm>
+              <a:off x="1730096" y="4381965"/>
+              <a:ext cx="7924800" cy="596738"/>
+            </a:xfrm>
+            <a:prstGeom prst="rect">
+              <a:avLst/>
+            </a:prstGeom>
+            <a:noFill/>
+          </p:spPr>
+          <p:txBody>
+            <a:bodyPr wrap="square" rtlCol="0">
+              <a:spAutoFit/>
+            </a:bodyPr>
+            <a:lstStyle/>
+            <a:p>
+              <a:pPr algn="ctr"/>
+              <a:r>
+                <a:rPr lang="en-US" sz="4000" b="1" dirty="0">
+                  <a:latin typeface="Arial" panose="020B0604020202020204" pitchFamily="34" charset="0"/>
+                  <a:cs typeface="Arial" panose="020B0604020202020204" pitchFamily="34" charset="0"/>
+                </a:rPr>
+                <a:t>Future Development</a:t>
+              </a:r>
+            </a:p>
+          </p:txBody>
+        </p:sp>
       </p:grpSp>
-      <p:sp>
-        <p:nvSpPr>
-          <p:cNvPr id="2" name="TextBox 1">
+      <p:grpSp>
+        <p:nvGrpSpPr>
+          <p:cNvPr id="26" name="Challenges">
             <a:extLst>
               <a:ext uri="{FF2B5EF4-FFF2-40B4-BE49-F238E27FC236}">
-                <a16:creationId xmlns:a16="http://schemas.microsoft.com/office/drawing/2014/main" id="{E16DFDDE-A350-3D69-F01B-5C6F3213C783}"/>
+                <a16:creationId xmlns:a16="http://schemas.microsoft.com/office/drawing/2014/main" id="{656B5F8A-EB40-F2D1-23BB-1E2F420977C8}"/>
               </a:ext>
             </a:extLst>
           </p:cNvPr>
-          <p:cNvSpPr txBox="1"/>
-          <p:nvPr/>
-        </p:nvSpPr>
-        <p:spPr>
-          <a:xfrm>
-            <a:off x="0" y="1"/>
-            <a:ext cx="30275213" cy="1549014"/>
-          </a:xfrm>
-          <a:prstGeom prst="rect">
-            <a:avLst/>
-          </a:prstGeom>
-          <a:noFill/>
-        </p:spPr>
-        <p:txBody>
-          <a:bodyPr wrap="square" rtlCol="0">
-            <a:spAutoFit/>
-          </a:bodyPr>
-          <a:lstStyle/>
-          <a:p>
-            <a:pPr algn="ctr">
-              <a:lnSpc>
-                <a:spcPct val="150000"/>
-              </a:lnSpc>
-            </a:pPr>
-            <a:r>
-              <a:rPr lang="en-US" sz="7200" b="1" dirty="0">
-                <a:latin typeface="Arial" panose="020B0604020202020204" pitchFamily="34" charset="0"/>
-                <a:cs typeface="Arial" panose="020B0604020202020204" pitchFamily="34" charset="0"/>
-              </a:rPr>
-              <a:t>Time Organiser</a:t>
-            </a:r>
-          </a:p>
-        </p:txBody>
-      </p:sp>
-      <p:pic>
-        <p:nvPicPr>
-          <p:cNvPr id="10" name="Picture 9">
-            <a:extLst>
-              <a:ext uri="{FF2B5EF4-FFF2-40B4-BE49-F238E27FC236}">
-                <a16:creationId xmlns:a16="http://schemas.microsoft.com/office/drawing/2014/main" id="{F070F784-EE12-FBE2-26AC-FDC22433EBAC}"/>
-              </a:ext>
-            </a:extLst>
-          </p:cNvPr>
-          <p:cNvPicPr>
-            <a:picLocks noChangeAspect="1"/>
-          </p:cNvPicPr>
-          <p:nvPr/>
-        </p:nvPicPr>
-        <p:blipFill>
-          <a:blip r:embed="rId3"/>
-          <a:stretch>
-            <a:fillRect/>
-          </a:stretch>
-        </p:blipFill>
-        <p:spPr>
-          <a:xfrm>
-            <a:off x="15666669" y="1695321"/>
-            <a:ext cx="13731995" cy="8996491"/>
-          </a:xfrm>
-          <a:prstGeom prst="rect">
-            <a:avLst/>
-          </a:prstGeom>
-        </p:spPr>
-      </p:pic>
-      <p:pic>
-        <p:nvPicPr>
-          <p:cNvPr id="11" name="Picture 10">
-            <a:extLst>
-              <a:ext uri="{FF2B5EF4-FFF2-40B4-BE49-F238E27FC236}">
-                <a16:creationId xmlns:a16="http://schemas.microsoft.com/office/drawing/2014/main" id="{1EC3D99B-5500-29B7-DB59-C5A7DE9E57AA}"/>
-              </a:ext>
-            </a:extLst>
-          </p:cNvPr>
-          <p:cNvPicPr>
-            <a:picLocks noChangeAspect="1"/>
-          </p:cNvPicPr>
-          <p:nvPr/>
-        </p:nvPicPr>
-        <p:blipFill>
-          <a:blip r:embed="rId4"/>
-          <a:stretch>
-            <a:fillRect/>
-          </a:stretch>
-        </p:blipFill>
-        <p:spPr>
-          <a:xfrm>
-            <a:off x="1130237" y="10463215"/>
-            <a:ext cx="13731857" cy="8996400"/>
-          </a:xfrm>
-          <a:prstGeom prst="rect">
-            <a:avLst/>
-          </a:prstGeom>
-        </p:spPr>
-      </p:pic>
-      <p:grpSp>
-        <p:nvGrpSpPr>
-          <p:cNvPr id="14" name="Group 13">
-            <a:extLst>
-              <a:ext uri="{FF2B5EF4-FFF2-40B4-BE49-F238E27FC236}">
-                <a16:creationId xmlns:a16="http://schemas.microsoft.com/office/drawing/2014/main" id="{E69C1D71-7EAB-8627-B92B-8DDD1F28B884}"/>
-              </a:ext>
-            </a:extLst>
-          </p:cNvPr>
-          <p:cNvGrpSpPr/>
+          <p:cNvGrpSpPr>
+            <a:grpSpLocks noGrp="1" noUngrp="1" noRot="1" noMove="1" noResize="1"/>
+          </p:cNvGrpSpPr>
           <p:nvPr/>
         </p:nvGrpSpPr>
         <p:grpSpPr>
           <a:xfrm>
-            <a:off x="1489465" y="1900580"/>
+            <a:off x="16128069" y="11171255"/>
             <a:ext cx="5760421" cy="7635309"/>
             <a:chOff x="1730096" y="3910697"/>
             <a:chExt cx="7924800" cy="6436461"/>
@@ -4917,14 +5266,16 @@
         </p:grpSpPr>
         <p:sp>
           <p:nvSpPr>
-            <p:cNvPr id="12" name="Rounded Rectangle 11">
+            <p:cNvPr id="27" name="Background">
               <a:extLst>
                 <a:ext uri="{FF2B5EF4-FFF2-40B4-BE49-F238E27FC236}">
-                  <a16:creationId xmlns:a16="http://schemas.microsoft.com/office/drawing/2014/main" id="{251F6968-99F2-4323-57D1-5162291AF44D}"/>
+                  <a16:creationId xmlns:a16="http://schemas.microsoft.com/office/drawing/2014/main" id="{029FC835-91B0-7637-52FD-B35D002C6317}"/>
                 </a:ext>
               </a:extLst>
             </p:cNvPr>
-            <p:cNvSpPr/>
+            <p:cNvSpPr>
+              <a:spLocks noGrp="1" noRot="1" noMove="1" noResize="1" noEditPoints="1" noAdjustHandles="1" noChangeArrowheads="1" noChangeShapeType="1"/>
+            </p:cNvSpPr>
             <p:nvPr/>
           </p:nvSpPr>
           <p:spPr>
@@ -5546,53 +5897,16 @@
         </p:sp>
         <p:sp>
           <p:nvSpPr>
-            <p:cNvPr id="4" name="TextBox 3">
+            <p:cNvPr id="31" name="Text">
               <a:extLst>
                 <a:ext uri="{FF2B5EF4-FFF2-40B4-BE49-F238E27FC236}">
-                  <a16:creationId xmlns:a16="http://schemas.microsoft.com/office/drawing/2014/main" id="{7F891311-2D66-F028-3331-7C7C17D02D6F}"/>
+                  <a16:creationId xmlns:a16="http://schemas.microsoft.com/office/drawing/2014/main" id="{A459F0A1-5257-76F2-6CCC-895CCFB6DB14}"/>
                 </a:ext>
               </a:extLst>
             </p:cNvPr>
-            <p:cNvSpPr txBox="1"/>
-            <p:nvPr/>
-          </p:nvSpPr>
-          <p:spPr>
-            <a:xfrm>
-              <a:off x="1730096" y="4381965"/>
-              <a:ext cx="7924800" cy="596738"/>
-            </a:xfrm>
-            <a:prstGeom prst="rect">
-              <a:avLst/>
-            </a:prstGeom>
-            <a:noFill/>
-          </p:spPr>
-          <p:txBody>
-            <a:bodyPr wrap="square" rtlCol="0">
-              <a:spAutoFit/>
-            </a:bodyPr>
-            <a:lstStyle/>
-            <a:p>
-              <a:pPr algn="ctr"/>
-              <a:r>
-                <a:rPr lang="en-US" sz="4000" b="1" dirty="0">
-                  <a:latin typeface="Arial" panose="020B0604020202020204" pitchFamily="34" charset="0"/>
-                  <a:cs typeface="Arial" panose="020B0604020202020204" pitchFamily="34" charset="0"/>
-                </a:rPr>
-                <a:t>Project Vision</a:t>
-              </a:r>
-            </a:p>
-          </p:txBody>
-        </p:sp>
-        <p:sp>
-          <p:nvSpPr>
-            <p:cNvPr id="13" name="TextBox 12">
-              <a:extLst>
-                <a:ext uri="{FF2B5EF4-FFF2-40B4-BE49-F238E27FC236}">
-                  <a16:creationId xmlns:a16="http://schemas.microsoft.com/office/drawing/2014/main" id="{92526B55-CF4D-C65A-AEDD-334D60208A2B}"/>
-                </a:ext>
-              </a:extLst>
-            </p:cNvPr>
-            <p:cNvSpPr txBox="1"/>
+            <p:cNvSpPr txBox="1">
+              <a:spLocks noGrp="1" noRot="1" noMove="1" noResize="1" noEditPoints="1" noAdjustHandles="1" noChangeArrowheads="1" noChangeShapeType="1"/>
+            </p:cNvSpPr>
             <p:nvPr/>
           </p:nvSpPr>
           <p:spPr>
@@ -5699,22 +6013,65 @@
             </a:p>
           </p:txBody>
         </p:sp>
+        <p:sp>
+          <p:nvSpPr>
+            <p:cNvPr id="29" name="Title">
+              <a:extLst>
+                <a:ext uri="{FF2B5EF4-FFF2-40B4-BE49-F238E27FC236}">
+                  <a16:creationId xmlns:a16="http://schemas.microsoft.com/office/drawing/2014/main" id="{A77B9D5D-2D84-9E44-5EB4-95D3546A1585}"/>
+                </a:ext>
+              </a:extLst>
+            </p:cNvPr>
+            <p:cNvSpPr txBox="1">
+              <a:spLocks noGrp="1" noRot="1" noMove="1" noResize="1" noEditPoints="1" noAdjustHandles="1" noChangeArrowheads="1" noChangeShapeType="1"/>
+            </p:cNvSpPr>
+            <p:nvPr/>
+          </p:nvSpPr>
+          <p:spPr>
+            <a:xfrm>
+              <a:off x="1730096" y="4381965"/>
+              <a:ext cx="7924800" cy="596738"/>
+            </a:xfrm>
+            <a:prstGeom prst="rect">
+              <a:avLst/>
+            </a:prstGeom>
+            <a:noFill/>
+          </p:spPr>
+          <p:txBody>
+            <a:bodyPr wrap="square" rtlCol="0">
+              <a:spAutoFit/>
+            </a:bodyPr>
+            <a:lstStyle/>
+            <a:p>
+              <a:pPr algn="ctr"/>
+              <a:r>
+                <a:rPr lang="en-US" sz="4000" b="1" dirty="0">
+                  <a:latin typeface="Arial" panose="020B0604020202020204" pitchFamily="34" charset="0"/>
+                  <a:cs typeface="Arial" panose="020B0604020202020204" pitchFamily="34" charset="0"/>
+                </a:rPr>
+                <a:t>Challenges</a:t>
+              </a:r>
+            </a:p>
+          </p:txBody>
+        </p:sp>
       </p:grpSp>
       <p:grpSp>
         <p:nvGrpSpPr>
-          <p:cNvPr id="22" name="Group 21">
+          <p:cNvPr id="18" name="Key Features">
             <a:extLst>
               <a:ext uri="{FF2B5EF4-FFF2-40B4-BE49-F238E27FC236}">
-                <a16:creationId xmlns:a16="http://schemas.microsoft.com/office/drawing/2014/main" id="{D3BBAA6F-3616-52FC-532F-19BB93464D75}"/>
+                <a16:creationId xmlns:a16="http://schemas.microsoft.com/office/drawing/2014/main" id="{1258F407-6440-B8B1-3C45-1ABA3E1F34AF}"/>
               </a:ext>
             </a:extLst>
           </p:cNvPr>
-          <p:cNvGrpSpPr/>
+          <p:cNvGrpSpPr>
+            <a:grpSpLocks noGrp="1" noUngrp="1" noRot="1" noMove="1" noResize="1"/>
+          </p:cNvGrpSpPr>
           <p:nvPr/>
         </p:nvGrpSpPr>
         <p:grpSpPr>
           <a:xfrm>
-            <a:off x="23154465" y="11143760"/>
+            <a:off x="8834641" y="1900579"/>
             <a:ext cx="5760421" cy="7635309"/>
             <a:chOff x="1730096" y="3910697"/>
             <a:chExt cx="7924800" cy="6436461"/>
@@ -5722,14 +6079,16 @@
         </p:grpSpPr>
         <p:sp>
           <p:nvSpPr>
-            <p:cNvPr id="23" name="Rounded Rectangle 22">
+            <p:cNvPr id="19" name="Background">
               <a:extLst>
                 <a:ext uri="{FF2B5EF4-FFF2-40B4-BE49-F238E27FC236}">
-                  <a16:creationId xmlns:a16="http://schemas.microsoft.com/office/drawing/2014/main" id="{08E2696F-FDE8-E9FD-0213-F78728546B5E}"/>
+                  <a16:creationId xmlns:a16="http://schemas.microsoft.com/office/drawing/2014/main" id="{256AB5C0-868B-0FB7-2A26-43861661F344}"/>
                 </a:ext>
               </a:extLst>
             </p:cNvPr>
-            <p:cNvSpPr/>
+            <p:cNvSpPr>
+              <a:spLocks noGrp="1" noRot="1" noMove="1" noResize="1" noEditPoints="1" noAdjustHandles="1" noChangeArrowheads="1" noChangeShapeType="1"/>
+            </p:cNvSpPr>
             <p:nvPr/>
           </p:nvSpPr>
           <p:spPr>
@@ -6351,53 +6710,16 @@
         </p:sp>
         <p:sp>
           <p:nvSpPr>
-            <p:cNvPr id="24" name="TextBox 23">
+            <p:cNvPr id="21" name="Text">
               <a:extLst>
                 <a:ext uri="{FF2B5EF4-FFF2-40B4-BE49-F238E27FC236}">
-                  <a16:creationId xmlns:a16="http://schemas.microsoft.com/office/drawing/2014/main" id="{64C2932D-6C18-CFC2-07CD-F08E48858303}"/>
+                  <a16:creationId xmlns:a16="http://schemas.microsoft.com/office/drawing/2014/main" id="{D235D8EA-6DF7-BCDE-16EE-60D7434CB5A8}"/>
                 </a:ext>
               </a:extLst>
             </p:cNvPr>
-            <p:cNvSpPr txBox="1"/>
-            <p:nvPr/>
-          </p:nvSpPr>
-          <p:spPr>
-            <a:xfrm>
-              <a:off x="1730096" y="4381965"/>
-              <a:ext cx="7924800" cy="596738"/>
-            </a:xfrm>
-            <a:prstGeom prst="rect">
-              <a:avLst/>
-            </a:prstGeom>
-            <a:noFill/>
-          </p:spPr>
-          <p:txBody>
-            <a:bodyPr wrap="square" rtlCol="0">
-              <a:spAutoFit/>
-            </a:bodyPr>
-            <a:lstStyle/>
-            <a:p>
-              <a:pPr algn="ctr"/>
-              <a:r>
-                <a:rPr lang="en-US" sz="4000" b="1" dirty="0">
-                  <a:latin typeface="Arial" panose="020B0604020202020204" pitchFamily="34" charset="0"/>
-                  <a:cs typeface="Arial" panose="020B0604020202020204" pitchFamily="34" charset="0"/>
-                </a:rPr>
-                <a:t>Backend vs Frontend</a:t>
-              </a:r>
-            </a:p>
-          </p:txBody>
-        </p:sp>
-        <p:sp>
-          <p:nvSpPr>
-            <p:cNvPr id="25" name="TextBox 24">
-              <a:extLst>
-                <a:ext uri="{FF2B5EF4-FFF2-40B4-BE49-F238E27FC236}">
-                  <a16:creationId xmlns:a16="http://schemas.microsoft.com/office/drawing/2014/main" id="{73984873-335A-407A-752F-D2727F37B794}"/>
-                </a:ext>
-              </a:extLst>
-            </p:cNvPr>
-            <p:cNvSpPr txBox="1"/>
+            <p:cNvSpPr txBox="1">
+              <a:spLocks noGrp="1" noRot="1" noMove="1" noResize="1" noEditPoints="1" noAdjustHandles="1" noChangeArrowheads="1" noChangeShapeType="1"/>
+            </p:cNvSpPr>
             <p:nvPr/>
           </p:nvSpPr>
           <p:spPr>
@@ -6504,22 +6826,65 @@
             </a:p>
           </p:txBody>
         </p:sp>
+        <p:sp>
+          <p:nvSpPr>
+            <p:cNvPr id="20" name="Title">
+              <a:extLst>
+                <a:ext uri="{FF2B5EF4-FFF2-40B4-BE49-F238E27FC236}">
+                  <a16:creationId xmlns:a16="http://schemas.microsoft.com/office/drawing/2014/main" id="{2A94075E-9A7A-2C21-0D9C-66B56BB2CCA7}"/>
+                </a:ext>
+              </a:extLst>
+            </p:cNvPr>
+            <p:cNvSpPr txBox="1">
+              <a:spLocks noGrp="1" noRot="1" noMove="1" noResize="1" noEditPoints="1" noAdjustHandles="1" noChangeArrowheads="1" noChangeShapeType="1"/>
+            </p:cNvSpPr>
+            <p:nvPr/>
+          </p:nvSpPr>
+          <p:spPr>
+            <a:xfrm>
+              <a:off x="1730096" y="4381965"/>
+              <a:ext cx="7924800" cy="596738"/>
+            </a:xfrm>
+            <a:prstGeom prst="rect">
+              <a:avLst/>
+            </a:prstGeom>
+            <a:noFill/>
+          </p:spPr>
+          <p:txBody>
+            <a:bodyPr wrap="square" rtlCol="0">
+              <a:spAutoFit/>
+            </a:bodyPr>
+            <a:lstStyle/>
+            <a:p>
+              <a:pPr algn="ctr"/>
+              <a:r>
+                <a:rPr lang="en-US" sz="4000" b="1" dirty="0">
+                  <a:latin typeface="Arial" panose="020B0604020202020204" pitchFamily="34" charset="0"/>
+                  <a:cs typeface="Arial" panose="020B0604020202020204" pitchFamily="34" charset="0"/>
+                </a:rPr>
+                <a:t>Key Features</a:t>
+              </a:r>
+            </a:p>
+          </p:txBody>
+        </p:sp>
       </p:grpSp>
       <p:grpSp>
         <p:nvGrpSpPr>
-          <p:cNvPr id="26" name="Group 25">
+          <p:cNvPr id="14" name="Project Vision">
             <a:extLst>
               <a:ext uri="{FF2B5EF4-FFF2-40B4-BE49-F238E27FC236}">
-                <a16:creationId xmlns:a16="http://schemas.microsoft.com/office/drawing/2014/main" id="{656B5F8A-EB40-F2D1-23BB-1E2F420977C8}"/>
+                <a16:creationId xmlns:a16="http://schemas.microsoft.com/office/drawing/2014/main" id="{E69C1D71-7EAB-8627-B92B-8DDD1F28B884}"/>
               </a:ext>
             </a:extLst>
           </p:cNvPr>
-          <p:cNvGrpSpPr/>
+          <p:cNvGrpSpPr>
+            <a:grpSpLocks noGrp="1" noUngrp="1" noRot="1" noMove="1" noResize="1"/>
+          </p:cNvGrpSpPr>
           <p:nvPr/>
         </p:nvGrpSpPr>
         <p:grpSpPr>
           <a:xfrm>
-            <a:off x="16128069" y="11171255"/>
+            <a:off x="1489465" y="1900580"/>
             <a:ext cx="5760421" cy="7635309"/>
             <a:chOff x="1730096" y="3910697"/>
             <a:chExt cx="7924800" cy="6436461"/>
@@ -6527,14 +6892,16 @@
         </p:grpSpPr>
         <p:sp>
           <p:nvSpPr>
-            <p:cNvPr id="27" name="Rounded Rectangle 26">
+            <p:cNvPr id="12" name="Background">
               <a:extLst>
                 <a:ext uri="{FF2B5EF4-FFF2-40B4-BE49-F238E27FC236}">
-                  <a16:creationId xmlns:a16="http://schemas.microsoft.com/office/drawing/2014/main" id="{029FC835-91B0-7637-52FD-B35D002C6317}"/>
+                  <a16:creationId xmlns:a16="http://schemas.microsoft.com/office/drawing/2014/main" id="{251F6968-99F2-4323-57D1-5162291AF44D}"/>
                 </a:ext>
               </a:extLst>
             </p:cNvPr>
-            <p:cNvSpPr/>
+            <p:cNvSpPr>
+              <a:spLocks noGrp="1" noRot="1" noMove="1" noResize="1" noEditPoints="1" noAdjustHandles="1" noChangeArrowheads="1" noChangeShapeType="1"/>
+            </p:cNvSpPr>
             <p:nvPr/>
           </p:nvSpPr>
           <p:spPr>
@@ -7156,53 +7523,16 @@
         </p:sp>
         <p:sp>
           <p:nvSpPr>
-            <p:cNvPr id="29" name="TextBox 28">
+            <p:cNvPr id="13" name="Text">
               <a:extLst>
                 <a:ext uri="{FF2B5EF4-FFF2-40B4-BE49-F238E27FC236}">
-                  <a16:creationId xmlns:a16="http://schemas.microsoft.com/office/drawing/2014/main" id="{A77B9D5D-2D84-9E44-5EB4-95D3546A1585}"/>
+                  <a16:creationId xmlns:a16="http://schemas.microsoft.com/office/drawing/2014/main" id="{92526B55-CF4D-C65A-AEDD-334D60208A2B}"/>
                 </a:ext>
               </a:extLst>
             </p:cNvPr>
-            <p:cNvSpPr txBox="1"/>
-            <p:nvPr/>
-          </p:nvSpPr>
-          <p:spPr>
-            <a:xfrm>
-              <a:off x="1730096" y="4381965"/>
-              <a:ext cx="7924800" cy="596738"/>
-            </a:xfrm>
-            <a:prstGeom prst="rect">
-              <a:avLst/>
-            </a:prstGeom>
-            <a:noFill/>
-          </p:spPr>
-          <p:txBody>
-            <a:bodyPr wrap="square" rtlCol="0">
-              <a:spAutoFit/>
-            </a:bodyPr>
-            <a:lstStyle/>
-            <a:p>
-              <a:pPr algn="ctr"/>
-              <a:r>
-                <a:rPr lang="en-US" sz="4000" b="1" dirty="0">
-                  <a:latin typeface="Arial" panose="020B0604020202020204" pitchFamily="34" charset="0"/>
-                  <a:cs typeface="Arial" panose="020B0604020202020204" pitchFamily="34" charset="0"/>
-                </a:rPr>
-                <a:t>Challenges</a:t>
-              </a:r>
-            </a:p>
-          </p:txBody>
-        </p:sp>
-        <p:sp>
-          <p:nvSpPr>
-            <p:cNvPr id="31" name="TextBox 30">
-              <a:extLst>
-                <a:ext uri="{FF2B5EF4-FFF2-40B4-BE49-F238E27FC236}">
-                  <a16:creationId xmlns:a16="http://schemas.microsoft.com/office/drawing/2014/main" id="{A459F0A1-5257-76F2-6CCC-895CCFB6DB14}"/>
-                </a:ext>
-              </a:extLst>
-            </p:cNvPr>
-            <p:cNvSpPr txBox="1"/>
+            <p:cNvSpPr txBox="1">
+              <a:spLocks noGrp="1" noRot="1" noMove="1" noResize="1" noEditPoints="1" noAdjustHandles="1" noChangeArrowheads="1" noChangeShapeType="1"/>
+            </p:cNvSpPr>
             <p:nvPr/>
           </p:nvSpPr>
           <p:spPr>
@@ -7309,77 +7639,66 @@
             </a:p>
           </p:txBody>
         </p:sp>
+        <p:sp>
+          <p:nvSpPr>
+            <p:cNvPr id="4" name="Title">
+              <a:extLst>
+                <a:ext uri="{FF2B5EF4-FFF2-40B4-BE49-F238E27FC236}">
+                  <a16:creationId xmlns:a16="http://schemas.microsoft.com/office/drawing/2014/main" id="{7F891311-2D66-F028-3331-7C7C17D02D6F}"/>
+                </a:ext>
+              </a:extLst>
+            </p:cNvPr>
+            <p:cNvSpPr txBox="1">
+              <a:spLocks noGrp="1" noRot="1" noMove="1" noResize="1" noEditPoints="1" noAdjustHandles="1" noChangeArrowheads="1" noChangeShapeType="1"/>
+            </p:cNvSpPr>
+            <p:nvPr/>
+          </p:nvSpPr>
+          <p:spPr>
+            <a:xfrm>
+              <a:off x="1730096" y="4381965"/>
+              <a:ext cx="7924800" cy="596738"/>
+            </a:xfrm>
+            <a:prstGeom prst="rect">
+              <a:avLst/>
+            </a:prstGeom>
+            <a:noFill/>
+          </p:spPr>
+          <p:txBody>
+            <a:bodyPr wrap="square" rtlCol="0">
+              <a:spAutoFit/>
+            </a:bodyPr>
+            <a:lstStyle/>
+            <a:p>
+              <a:pPr algn="ctr"/>
+              <a:r>
+                <a:rPr lang="en-US" sz="4000" b="1" dirty="0">
+                  <a:latin typeface="Arial" panose="020B0604020202020204" pitchFamily="34" charset="0"/>
+                  <a:cs typeface="Arial" panose="020B0604020202020204" pitchFamily="34" charset="0"/>
+                </a:rPr>
+                <a:t>Project Vision</a:t>
+              </a:r>
+            </a:p>
+          </p:txBody>
+        </p:sp>
       </p:grpSp>
       <p:sp>
         <p:nvSpPr>
-          <p:cNvPr id="33" name="Rectangle 32">
+          <p:cNvPr id="2" name="Title">
             <a:extLst>
               <a:ext uri="{FF2B5EF4-FFF2-40B4-BE49-F238E27FC236}">
-                <a16:creationId xmlns:a16="http://schemas.microsoft.com/office/drawing/2014/main" id="{3D6F8CB4-3F0F-DA93-E0ED-08BD82ADA4CE}"/>
+                <a16:creationId xmlns:a16="http://schemas.microsoft.com/office/drawing/2014/main" id="{E16DFDDE-A350-3D69-F01B-5C6F3213C783}"/>
               </a:ext>
             </a:extLst>
           </p:cNvPr>
-          <p:cNvSpPr/>
+          <p:cNvSpPr txBox="1">
+            <a:spLocks noGrp="1" noRot="1" noMove="1" noResize="1" noEditPoints="1" noAdjustHandles="1" noChangeArrowheads="1" noChangeShapeType="1"/>
+          </p:cNvSpPr>
           <p:nvPr/>
         </p:nvSpPr>
         <p:spPr>
           <a:xfrm>
-            <a:off x="-1" y="19757572"/>
-            <a:ext cx="30275213" cy="1626053"/>
-          </a:xfrm>
-          <a:prstGeom prst="rect">
-            <a:avLst/>
-          </a:prstGeom>
-          <a:solidFill>
-            <a:srgbClr val="22252A"/>
-          </a:solidFill>
-          <a:ln>
-            <a:solidFill>
-              <a:srgbClr val="22252A"/>
-            </a:solidFill>
-          </a:ln>
-        </p:spPr>
-        <p:style>
-          <a:lnRef idx="2">
-            <a:schemeClr val="accent1">
-              <a:shade val="15000"/>
-            </a:schemeClr>
-          </a:lnRef>
-          <a:fillRef idx="1">
-            <a:schemeClr val="accent1"/>
-          </a:fillRef>
-          <a:effectRef idx="0">
-            <a:schemeClr val="accent1"/>
-          </a:effectRef>
-          <a:fontRef idx="minor">
-            <a:schemeClr val="lt1"/>
-          </a:fontRef>
-        </p:style>
-        <p:txBody>
-          <a:bodyPr rtlCol="0" anchor="ctr"/>
-          <a:lstStyle/>
-          <a:p>
-            <a:pPr algn="ctr"/>
-            <a:endParaRPr lang="en-US"/>
-          </a:p>
-        </p:txBody>
-      </p:sp>
-      <p:sp>
-        <p:nvSpPr>
-          <p:cNvPr id="35" name="TextBox 34">
-            <a:extLst>
-              <a:ext uri="{FF2B5EF4-FFF2-40B4-BE49-F238E27FC236}">
-                <a16:creationId xmlns:a16="http://schemas.microsoft.com/office/drawing/2014/main" id="{0B134DBA-3998-65EB-6721-6AA169A2ED78}"/>
-              </a:ext>
-            </a:extLst>
-          </p:cNvPr>
-          <p:cNvSpPr txBox="1"/>
-          <p:nvPr/>
-        </p:nvSpPr>
-        <p:spPr>
-          <a:xfrm>
-            <a:off x="1130237" y="20187401"/>
-            <a:ext cx="4916446" cy="707886"/>
+            <a:off x="0" y="1"/>
+            <a:ext cx="30275213" cy="1549014"/>
           </a:xfrm>
           <a:prstGeom prst="rect">
             <a:avLst/>
@@ -7387,90 +7706,22 @@
           <a:noFill/>
         </p:spPr>
         <p:txBody>
-          <a:bodyPr wrap="square" rtlCol="0" anchor="ctr">
+          <a:bodyPr wrap="square" rtlCol="0">
             <a:spAutoFit/>
           </a:bodyPr>
           <a:lstStyle/>
           <a:p>
-            <a:r>
-              <a:rPr lang="en-US" sz="3600" dirty="0">
-                <a:solidFill>
-                  <a:schemeClr val="bg1"/>
-                </a:solidFill>
-              </a:rPr>
-              <a:t>Luka </a:t>
-            </a:r>
-            <a:r>
-              <a:rPr lang="en-US" sz="4000" dirty="0">
-                <a:solidFill>
-                  <a:schemeClr val="bg1"/>
-                </a:solidFill>
-              </a:rPr>
-              <a:t>Wilson-Green</a:t>
-            </a:r>
-          </a:p>
-        </p:txBody>
-      </p:sp>
-      <p:sp>
-        <p:nvSpPr>
-          <p:cNvPr id="36" name="TextBox 35">
-            <a:extLst>
-              <a:ext uri="{FF2B5EF4-FFF2-40B4-BE49-F238E27FC236}">
-                <a16:creationId xmlns:a16="http://schemas.microsoft.com/office/drawing/2014/main" id="{DF6291FB-A50D-788E-0AB3-1C660D2B9066}"/>
-              </a:ext>
-            </a:extLst>
-          </p:cNvPr>
-          <p:cNvSpPr txBox="1"/>
-          <p:nvPr/>
-        </p:nvSpPr>
-        <p:spPr>
-          <a:xfrm>
-            <a:off x="6046683" y="19838459"/>
-            <a:ext cx="9619986" cy="1405769"/>
-          </a:xfrm>
-          <a:prstGeom prst="rect">
-            <a:avLst/>
-          </a:prstGeom>
-          <a:noFill/>
-        </p:spPr>
-        <p:txBody>
-          <a:bodyPr wrap="square" rtlCol="0" anchor="ctr">
-            <a:spAutoFit/>
-          </a:bodyPr>
-          <a:lstStyle/>
-          <a:p>
-            <a:pPr>
+            <a:pPr algn="ctr">
               <a:lnSpc>
                 <a:spcPct val="150000"/>
               </a:lnSpc>
             </a:pPr>
             <a:r>
-              <a:rPr lang="en-US" sz="3000" dirty="0" err="1">
-                <a:solidFill>
-                  <a:schemeClr val="bg1"/>
-                </a:solidFill>
+              <a:rPr lang="en-US" sz="7200" b="1" dirty="0">
+                <a:latin typeface="Arial" panose="020B0604020202020204" pitchFamily="34" charset="0"/>
+                <a:cs typeface="Arial" panose="020B0604020202020204" pitchFamily="34" charset="0"/>
               </a:rPr>
-              <a:t>luka.wilson-green@students.plymouth.ac.uk</a:t>
-            </a:r>
-            <a:endParaRPr lang="en-US" sz="3000" dirty="0">
-              <a:solidFill>
-                <a:schemeClr val="bg1"/>
-              </a:solidFill>
-            </a:endParaRPr>
-          </a:p>
-          <a:p>
-            <a:pPr>
-              <a:lnSpc>
-                <a:spcPct val="150000"/>
-              </a:lnSpc>
-            </a:pPr>
-            <a:r>
-              <a:rPr lang="en-US" sz="3000" dirty="0">
-                <a:solidFill>
-                  <a:schemeClr val="bg1"/>
-                </a:solidFill>
-              </a:rPr>
-              <a:t>BSc(Hons) Computer Science (Software Engineering)</a:t>
+              <a:t>Time Organiser</a:t>
             </a:r>
           </a:p>
         </p:txBody>
@@ -8045,57 +8296,6 @@
 </file>
 
 <file path=customXml/item1.xml><?xml version="1.0" encoding="utf-8"?>
-<p:properties xmlns:p="http://schemas.microsoft.com/office/2006/metadata/properties" xmlns:xsi="http://www.w3.org/2001/XMLSchema-instance" xmlns:pc="http://schemas.microsoft.com/office/infopath/2007/PartnerControls">
-  <documentManagement>
-    <NotebookType xmlns="dc781de3-bafc-4db7-a392-5d8a9e9bc0f5" xsi:nil="true"/>
-    <Invited_Students xmlns="dc781de3-bafc-4db7-a392-5d8a9e9bc0f5" xsi:nil="true"/>
-    <FolderType xmlns="dc781de3-bafc-4db7-a392-5d8a9e9bc0f5" xsi:nil="true"/>
-    <Owner xmlns="dc781de3-bafc-4db7-a392-5d8a9e9bc0f5">
-      <UserInfo>
-        <DisplayName/>
-        <AccountId xsi:nil="true"/>
-        <AccountType/>
-      </UserInfo>
-    </Owner>
-    <AppVersion xmlns="dc781de3-bafc-4db7-a392-5d8a9e9bc0f5" xsi:nil="true"/>
-    <DefaultSectionNames xmlns="dc781de3-bafc-4db7-a392-5d8a9e9bc0f5" xsi:nil="true"/>
-    <Teachers xmlns="dc781de3-bafc-4db7-a392-5d8a9e9bc0f5">
-      <UserInfo>
-        <DisplayName/>
-        <AccountId xsi:nil="true"/>
-        <AccountType/>
-      </UserInfo>
-    </Teachers>
-    <Students xmlns="dc781de3-bafc-4db7-a392-5d8a9e9bc0f5">
-      <UserInfo>
-        <DisplayName/>
-        <AccountId xsi:nil="true"/>
-        <AccountType/>
-      </UserInfo>
-    </Students>
-    <Student_Groups xmlns="dc781de3-bafc-4db7-a392-5d8a9e9bc0f5">
-      <UserInfo>
-        <DisplayName/>
-        <AccountId xsi:nil="true"/>
-        <AccountType/>
-      </UserInfo>
-    </Student_Groups>
-    <Invited_Teachers xmlns="dc781de3-bafc-4db7-a392-5d8a9e9bc0f5" xsi:nil="true"/>
-    <Self_Registration_Enabled xmlns="dc781de3-bafc-4db7-a392-5d8a9e9bc0f5" xsi:nil="true"/>
-  </documentManagement>
-</p:properties>
-</file>
-
-<file path=customXml/item2.xml><?xml version="1.0" encoding="utf-8"?>
-<?mso-contentType ?>
-<FormTemplates xmlns="http://schemas.microsoft.com/sharepoint/v3/contenttype/forms">
-  <Display>DocumentLibraryForm</Display>
-  <Edit>DocumentLibraryForm</Edit>
-  <New>DocumentLibraryForm</New>
-</FormTemplates>
-</file>
-
-<file path=customXml/item3.xml><?xml version="1.0" encoding="utf-8"?>
 <ct:contentTypeSchema xmlns:ct="http://schemas.microsoft.com/office/2006/metadata/contentType" xmlns:ma="http://schemas.microsoft.com/office/2006/metadata/properties/metaAttributes" ct:_="" ma:_="" ma:contentTypeName="Document" ma:contentTypeID="0x010100183530F9ADBD1D48AC3974C37B1F16E8" ma:contentTypeVersion="24" ma:contentTypeDescription="Create a new document." ma:contentTypeScope="" ma:versionID="70394ba201040ca3d815e3c4f7012274">
   <xsd:schema xmlns:xsd="http://www.w3.org/2001/XMLSchema" xmlns:xs="http://www.w3.org/2001/XMLSchema" xmlns:p="http://schemas.microsoft.com/office/2006/metadata/properties" xmlns:ns3="72339acb-e8cc-4142-9dab-9dca3e7dada8" xmlns:ns4="dc781de3-bafc-4db7-a392-5d8a9e9bc0f5" targetNamespace="http://schemas.microsoft.com/office/2006/metadata/properties" ma:root="true" ma:fieldsID="d0d4fd1207dbf170f06c018f7c6b1e9a" ns3:_="" ns4:_="">
     <xsd:import namespace="72339acb-e8cc-4142-9dab-9dca3e7dada8"/>
@@ -8446,32 +8646,58 @@
 </ct:contentTypeSchema>
 </file>
 
-<file path=customXml/itemProps1.xml><?xml version="1.0" encoding="utf-8"?>
-<ds:datastoreItem xmlns:ds="http://schemas.openxmlformats.org/officeDocument/2006/customXml" ds:itemID="{48338919-CAB7-4AC9-BE2B-610C7C37C733}">
-  <ds:schemaRefs>
-    <ds:schemaRef ds:uri="72339acb-e8cc-4142-9dab-9dca3e7dada8"/>
-    <ds:schemaRef ds:uri="http://schemas.microsoft.com/office/2006/documentManagement/types"/>
-    <ds:schemaRef ds:uri="http://purl.org/dc/terms/"/>
-    <ds:schemaRef ds:uri="http://schemas.microsoft.com/office/2006/metadata/properties"/>
-    <ds:schemaRef ds:uri="http://schemas.microsoft.com/office/infopath/2007/PartnerControls"/>
-    <ds:schemaRef ds:uri="http://schemas.openxmlformats.org/package/2006/metadata/core-properties"/>
-    <ds:schemaRef ds:uri="http://purl.org/dc/elements/1.1/"/>
-    <ds:schemaRef ds:uri="http://purl.org/dc/dcmitype/"/>
-    <ds:schemaRef ds:uri="dc781de3-bafc-4db7-a392-5d8a9e9bc0f5"/>
-    <ds:schemaRef ds:uri="http://www.w3.org/XML/1998/namespace"/>
-  </ds:schemaRefs>
-</ds:datastoreItem>
+<file path=customXml/item2.xml><?xml version="1.0" encoding="utf-8"?>
+<?mso-contentType ?>
+<FormTemplates xmlns="http://schemas.microsoft.com/sharepoint/v3/contenttype/forms">
+  <Display>DocumentLibraryForm</Display>
+  <Edit>DocumentLibraryForm</Edit>
+  <New>DocumentLibraryForm</New>
+</FormTemplates>
 </file>
 
-<file path=customXml/itemProps2.xml><?xml version="1.0" encoding="utf-8"?>
-<ds:datastoreItem xmlns:ds="http://schemas.openxmlformats.org/officeDocument/2006/customXml" ds:itemID="{90E91343-FC66-4181-B87C-967309332136}">
-  <ds:schemaRefs>
-    <ds:schemaRef ds:uri="http://schemas.microsoft.com/sharepoint/v3/contenttype/forms"/>
-  </ds:schemaRefs>
-</ds:datastoreItem>
+<file path=customXml/item3.xml><?xml version="1.0" encoding="utf-8"?>
+<p:properties xmlns:p="http://schemas.microsoft.com/office/2006/metadata/properties" xmlns:xsi="http://www.w3.org/2001/XMLSchema-instance" xmlns:pc="http://schemas.microsoft.com/office/infopath/2007/PartnerControls">
+  <documentManagement>
+    <NotebookType xmlns="dc781de3-bafc-4db7-a392-5d8a9e9bc0f5" xsi:nil="true"/>
+    <Invited_Students xmlns="dc781de3-bafc-4db7-a392-5d8a9e9bc0f5" xsi:nil="true"/>
+    <FolderType xmlns="dc781de3-bafc-4db7-a392-5d8a9e9bc0f5" xsi:nil="true"/>
+    <Owner xmlns="dc781de3-bafc-4db7-a392-5d8a9e9bc0f5">
+      <UserInfo>
+        <DisplayName/>
+        <AccountId xsi:nil="true"/>
+        <AccountType/>
+      </UserInfo>
+    </Owner>
+    <AppVersion xmlns="dc781de3-bafc-4db7-a392-5d8a9e9bc0f5" xsi:nil="true"/>
+    <DefaultSectionNames xmlns="dc781de3-bafc-4db7-a392-5d8a9e9bc0f5" xsi:nil="true"/>
+    <Teachers xmlns="dc781de3-bafc-4db7-a392-5d8a9e9bc0f5">
+      <UserInfo>
+        <DisplayName/>
+        <AccountId xsi:nil="true"/>
+        <AccountType/>
+      </UserInfo>
+    </Teachers>
+    <Students xmlns="dc781de3-bafc-4db7-a392-5d8a9e9bc0f5">
+      <UserInfo>
+        <DisplayName/>
+        <AccountId xsi:nil="true"/>
+        <AccountType/>
+      </UserInfo>
+    </Students>
+    <Student_Groups xmlns="dc781de3-bafc-4db7-a392-5d8a9e9bc0f5">
+      <UserInfo>
+        <DisplayName/>
+        <AccountId xsi:nil="true"/>
+        <AccountType/>
+      </UserInfo>
+    </Student_Groups>
+    <Invited_Teachers xmlns="dc781de3-bafc-4db7-a392-5d8a9e9bc0f5" xsi:nil="true"/>
+    <Self_Registration_Enabled xmlns="dc781de3-bafc-4db7-a392-5d8a9e9bc0f5" xsi:nil="true"/>
+  </documentManagement>
+</p:properties>
 </file>
 
-<file path=customXml/itemProps3.xml><?xml version="1.0" encoding="utf-8"?>
+<file path=customXml/itemProps1.xml><?xml version="1.0" encoding="utf-8"?>
 <ds:datastoreItem xmlns:ds="http://schemas.openxmlformats.org/officeDocument/2006/customXml" ds:itemID="{6D556809-3C50-4FFA-808E-E6B975D92521}">
   <ds:schemaRefs>
     <ds:schemaRef ds:uri="http://schemas.microsoft.com/office/2006/metadata/contentType"/>
@@ -8488,4 +8714,29 @@
     <ds:schemaRef ds:uri="http://schemas.microsoft.com/internal/obd"/>
   </ds:schemaRefs>
 </ds:datastoreItem>
+</file>
+
+<file path=customXml/itemProps2.xml><?xml version="1.0" encoding="utf-8"?>
+<ds:datastoreItem xmlns:ds="http://schemas.openxmlformats.org/officeDocument/2006/customXml" ds:itemID="{90E91343-FC66-4181-B87C-967309332136}">
+  <ds:schemaRefs>
+    <ds:schemaRef ds:uri="http://schemas.microsoft.com/sharepoint/v3/contenttype/forms"/>
+  </ds:schemaRefs>
+</ds:datastoreItem>
+</file>
+
+<file path=customXml/itemProps3.xml><?xml version="1.0" encoding="utf-8"?>
+<ds:datastoreItem xmlns:ds="http://schemas.openxmlformats.org/officeDocument/2006/customXml" ds:itemID="{48338919-CAB7-4AC9-BE2B-610C7C37C733}">
+  <ds:schemaRefs>
+    <ds:schemaRef ds:uri="72339acb-e8cc-4142-9dab-9dca3e7dada8"/>
+    <ds:schemaRef ds:uri="http://schemas.microsoft.com/office/2006/documentManagement/types"/>
+    <ds:schemaRef ds:uri="http://purl.org/dc/terms/"/>
+    <ds:schemaRef ds:uri="http://schemas.microsoft.com/office/2006/metadata/properties"/>
+    <ds:schemaRef ds:uri="http://schemas.microsoft.com/office/infopath/2007/PartnerControls"/>
+    <ds:schemaRef ds:uri="http://schemas.openxmlformats.org/package/2006/metadata/core-properties"/>
+    <ds:schemaRef ds:uri="http://purl.org/dc/elements/1.1/"/>
+    <ds:schemaRef ds:uri="http://purl.org/dc/dcmitype/"/>
+    <ds:schemaRef ds:uri="dc781de3-bafc-4db7-a392-5d8a9e9bc0f5"/>
+    <ds:schemaRef ds:uri="http://www.w3.org/XML/1998/namespace"/>
+  </ds:schemaRefs>
+</ds:datastoreItem>
 </file>
--- a/Documents/Poster.pptx
+++ b/Documents/Poster.pptx
@@ -11,7 +11,7 @@
     <p:sldId id="256" r:id="rId5"/>
   </p:sldIdLst>
   <p:sldSz cx="30275213" cy="21383625"/>
-  <p:notesSz cx="6858000" cy="9144000"/>
+  <p:notesSz cx="7104063" cy="10234613"/>
   <p:defaultTextStyle>
     <a:defPPr>
       <a:defRPr lang="en-US"/>
@@ -124,12 +124,12 @@
     </p:ext>
     <p:ext uri="{2D200454-40CA-4A62-9FC3-DE9A4176ACB9}">
       <p15:notesGuideLst xmlns:p15="http://schemas.microsoft.com/office/powerpoint/2012/main">
-        <p15:guide id="1" orient="horz" pos="2880" userDrawn="1">
+        <p15:guide id="1" orient="horz" pos="3224" userDrawn="1">
           <p15:clr>
             <a:srgbClr val="A4A3A4"/>
           </p15:clr>
         </p15:guide>
-        <p15:guide id="2" pos="2160" userDrawn="1">
+        <p15:guide id="2" pos="2238" userDrawn="1">
           <p15:clr>
             <a:srgbClr val="A4A3A4"/>
           </p15:clr>
@@ -724,17 +724,17 @@
         <p:spPr>
           <a:xfrm>
             <a:off x="0" y="0"/>
-            <a:ext cx="2971800" cy="458788"/>
+            <a:ext cx="3078427" cy="513508"/>
           </a:xfrm>
           <a:prstGeom prst="rect">
             <a:avLst/>
           </a:prstGeom>
         </p:spPr>
         <p:txBody>
-          <a:bodyPr vert="horz" lIns="91440" tIns="45720" rIns="91440" bIns="45720" rtlCol="0"/>
+          <a:bodyPr vert="horz" lIns="99075" tIns="49538" rIns="99075" bIns="49538" rtlCol="0"/>
           <a:lstStyle>
             <a:lvl1pPr algn="l">
-              <a:defRPr sz="1200"/>
+              <a:defRPr sz="1300"/>
             </a:lvl1pPr>
           </a:lstStyle>
           <a:p>
@@ -754,18 +754,18 @@
         </p:nvSpPr>
         <p:spPr>
           <a:xfrm>
-            <a:off x="3884613" y="0"/>
-            <a:ext cx="2971800" cy="458788"/>
+            <a:off x="4023992" y="0"/>
+            <a:ext cx="3078427" cy="513508"/>
           </a:xfrm>
           <a:prstGeom prst="rect">
             <a:avLst/>
           </a:prstGeom>
         </p:spPr>
         <p:txBody>
-          <a:bodyPr vert="horz" lIns="91440" tIns="45720" rIns="91440" bIns="45720" rtlCol="0"/>
+          <a:bodyPr vert="horz" lIns="99075" tIns="49538" rIns="99075" bIns="49538" rtlCol="0"/>
           <a:lstStyle>
             <a:lvl1pPr algn="r">
-              <a:defRPr sz="1200"/>
+              <a:defRPr sz="1300"/>
             </a:lvl1pPr>
           </a:lstStyle>
           <a:p>
@@ -789,8 +789,8 @@
         </p:nvSpPr>
         <p:spPr>
           <a:xfrm>
-            <a:off x="1244600" y="1143000"/>
-            <a:ext cx="4368800" cy="3086100"/>
+            <a:off x="1108075" y="1279525"/>
+            <a:ext cx="4887913" cy="3454400"/>
           </a:xfrm>
           <a:prstGeom prst="rect">
             <a:avLst/>
@@ -803,7 +803,7 @@
           </a:ln>
         </p:spPr>
         <p:txBody>
-          <a:bodyPr vert="horz" lIns="91440" tIns="45720" rIns="91440" bIns="45720" rtlCol="0" anchor="ctr"/>
+          <a:bodyPr vert="horz" lIns="99075" tIns="49538" rIns="99075" bIns="49538" rtlCol="0" anchor="ctr"/>
           <a:lstStyle/>
           <a:p>
             <a:endParaRPr lang="en-GB"/>
@@ -822,15 +822,15 @@
         </p:nvSpPr>
         <p:spPr>
           <a:xfrm>
-            <a:off x="685800" y="4400550"/>
-            <a:ext cx="5486400" cy="3600450"/>
+            <a:off x="710407" y="4925407"/>
+            <a:ext cx="5683250" cy="4029879"/>
           </a:xfrm>
           <a:prstGeom prst="rect">
             <a:avLst/>
           </a:prstGeom>
         </p:spPr>
         <p:txBody>
-          <a:bodyPr vert="horz" lIns="91440" tIns="45720" rIns="91440" bIns="45720" rtlCol="0"/>
+          <a:bodyPr vert="horz" lIns="99075" tIns="49538" rIns="99075" bIns="49538" rtlCol="0"/>
           <a:lstStyle/>
           <a:p>
             <a:pPr lvl="0"/>
@@ -882,18 +882,18 @@
         </p:nvSpPr>
         <p:spPr>
           <a:xfrm>
-            <a:off x="0" y="8685213"/>
-            <a:ext cx="2971800" cy="458787"/>
+            <a:off x="0" y="9721107"/>
+            <a:ext cx="3078427" cy="513507"/>
           </a:xfrm>
           <a:prstGeom prst="rect">
             <a:avLst/>
           </a:prstGeom>
         </p:spPr>
         <p:txBody>
-          <a:bodyPr vert="horz" lIns="91440" tIns="45720" rIns="91440" bIns="45720" rtlCol="0" anchor="b"/>
+          <a:bodyPr vert="horz" lIns="99075" tIns="49538" rIns="99075" bIns="49538" rtlCol="0" anchor="b"/>
           <a:lstStyle>
             <a:lvl1pPr algn="l">
-              <a:defRPr sz="1200"/>
+              <a:defRPr sz="1300"/>
             </a:lvl1pPr>
           </a:lstStyle>
           <a:p>
@@ -913,18 +913,18 @@
         </p:nvSpPr>
         <p:spPr>
           <a:xfrm>
-            <a:off x="3884613" y="8685213"/>
-            <a:ext cx="2971800" cy="458787"/>
+            <a:off x="4023992" y="9721107"/>
+            <a:ext cx="3078427" cy="513507"/>
           </a:xfrm>
           <a:prstGeom prst="rect">
             <a:avLst/>
           </a:prstGeom>
         </p:spPr>
         <p:txBody>
-          <a:bodyPr vert="horz" lIns="91440" tIns="45720" rIns="91440" bIns="45720" rtlCol="0" anchor="b"/>
+          <a:bodyPr vert="horz" lIns="99075" tIns="49538" rIns="99075" bIns="49538" rtlCol="0" anchor="b"/>
           <a:lstStyle>
             <a:lvl1pPr algn="r">
-              <a:defRPr sz="1200"/>
+              <a:defRPr sz="1300"/>
             </a:lvl1pPr>
           </a:lstStyle>
           <a:p>
@@ -1068,8 +1068,8 @@
         </p:nvSpPr>
         <p:spPr>
           <a:xfrm>
-            <a:off x="1244600" y="1143000"/>
-            <a:ext cx="4368800" cy="3086100"/>
+            <a:off x="1108075" y="1279525"/>
+            <a:ext cx="4887913" cy="3454400"/>
           </a:xfrm>
         </p:spPr>
       </p:sp>
@@ -5098,8 +5098,8 @@
           </p:nvSpPr>
           <p:spPr>
             <a:xfrm>
-              <a:off x="2518611" y="5525380"/>
-              <a:ext cx="6272464" cy="3970318"/>
+              <a:off x="2518611" y="4929003"/>
+              <a:ext cx="6272464" cy="5163084"/>
             </a:xfrm>
             <a:prstGeom prst="rect">
               <a:avLst/>
@@ -5121,28 +5121,20 @@
                   <a:solidFill>
                     <a:schemeClr val="tx1"/>
                   </a:solidFill>
+                  <a:effectLst/>
                   <a:latin typeface="Arial" panose="020B0604020202020204" pitchFamily="34" charset="0"/>
                   <a:ea typeface="Calibri" panose="020F0502020204030204" pitchFamily="34" charset="0"/>
                   <a:cs typeface="Arial" panose="020B0604020202020204" pitchFamily="34" charset="0"/>
                 </a:rPr>
-                <a:t>To allow users to manage tasks that they need to complete</a:t>
+                <a:t>Create a visua</a:t>
               </a:r>
-            </a:p>
-            <a:p>
-              <a:pPr marL="457200" indent="-457200">
-                <a:buFont typeface="Arial" panose="020B0604020202020204" pitchFamily="34" charset="0"/>
-                <a:buChar char="•"/>
-              </a:pPr>
               <a:r>
                 <a:rPr lang="en-GB" sz="2800" dirty="0">
-                  <a:solidFill>
-                    <a:schemeClr val="tx1"/>
-                  </a:solidFill>
                   <a:latin typeface="Arial" panose="020B0604020202020204" pitchFamily="34" charset="0"/>
                   <a:ea typeface="Calibri" panose="020F0502020204030204" pitchFamily="34" charset="0"/>
                   <a:cs typeface="Arial" panose="020B0604020202020204" pitchFamily="34" charset="0"/>
                 </a:rPr>
-                <a:t>The user can assign tasks to different days that they need to be completed by</a:t>
+                <a:t>l notification to display whether the user has reminders past due or due today</a:t>
               </a:r>
             </a:p>
             <a:p>
@@ -5160,17 +5152,8 @@
                   <a:ea typeface="Calibri" panose="020F0502020204030204" pitchFamily="34" charset="0"/>
                   <a:cs typeface="Arial" panose="020B0604020202020204" pitchFamily="34" charset="0"/>
                 </a:rPr>
-                <a:t>Allows users to manage their time effectively and efficiently</a:t>
+                <a:t>Create a mobile application to allow users to access and manage reminders more easily</a:t>
               </a:r>
-              <a:endParaRPr lang="en-US" sz="2800" dirty="0">
-                <a:solidFill>
-                  <a:schemeClr val="tx1"/>
-                </a:solidFill>
-                <a:effectLst/>
-                <a:latin typeface="Arial" panose="020B0604020202020204" pitchFamily="34" charset="0"/>
-                <a:ea typeface="Calibri" panose="020F0502020204030204" pitchFamily="34" charset="0"/>
-                <a:cs typeface="Arial" panose="020B0604020202020204" pitchFamily="34" charset="0"/>
-              </a:endParaRPr>
             </a:p>
             <a:p>
               <a:pPr marL="457200" indent="-457200">
@@ -5178,15 +5161,12 @@
                 <a:buChar char="•"/>
               </a:pPr>
               <a:r>
-                <a:rPr lang="en-US" sz="2800" dirty="0">
-                  <a:solidFill>
-                    <a:schemeClr val="tx1"/>
-                  </a:solidFill>
+                <a:rPr lang="en-GB" sz="2800" dirty="0">
                   <a:latin typeface="Arial" panose="020B0604020202020204" pitchFamily="34" charset="0"/>
                   <a:ea typeface="Calibri" panose="020F0502020204030204" pitchFamily="34" charset="0"/>
                   <a:cs typeface="Arial" panose="020B0604020202020204" pitchFamily="34" charset="0"/>
                 </a:rPr>
-                <a:t>A visual way for users to lay out their jobs</a:t>
+                <a:t>Set up cookies to remember if the user is logged in and their preferences</a:t>
               </a:r>
               <a:endParaRPr lang="en-GB" sz="2800" dirty="0">
                 <a:solidFill>
@@ -5911,8 +5891,8 @@
           </p:nvSpPr>
           <p:spPr>
             <a:xfrm>
-              <a:off x="2518611" y="5525380"/>
-              <a:ext cx="6272464" cy="3970318"/>
+              <a:off x="2518611" y="5473850"/>
+              <a:ext cx="6272464" cy="4073387"/>
             </a:xfrm>
             <a:prstGeom prst="rect">
               <a:avLst/>
@@ -5934,11 +5914,12 @@
                   <a:solidFill>
                     <a:schemeClr val="tx1"/>
                   </a:solidFill>
+                  <a:effectLst/>
                   <a:latin typeface="Arial" panose="020B0604020202020204" pitchFamily="34" charset="0"/>
                   <a:ea typeface="Calibri" panose="020F0502020204030204" pitchFamily="34" charset="0"/>
                   <a:cs typeface="Arial" panose="020B0604020202020204" pitchFamily="34" charset="0"/>
                 </a:rPr>
-                <a:t>To allow users to manage tasks that they need to complete</a:t>
+                <a:t>Learning how to setup and use a NodeJS server</a:t>
               </a:r>
             </a:p>
             <a:p>
@@ -5948,14 +5929,11 @@
               </a:pPr>
               <a:r>
                 <a:rPr lang="en-GB" sz="2800" dirty="0">
-                  <a:solidFill>
-                    <a:schemeClr val="tx1"/>
-                  </a:solidFill>
                   <a:latin typeface="Arial" panose="020B0604020202020204" pitchFamily="34" charset="0"/>
                   <a:ea typeface="Calibri" panose="020F0502020204030204" pitchFamily="34" charset="0"/>
                   <a:cs typeface="Arial" panose="020B0604020202020204" pitchFamily="34" charset="0"/>
                 </a:rPr>
-                <a:t>The user can assign tasks to different days that they need to be completed by</a:t>
+                <a:t>Time management with completing coursework for other modules</a:t>
               </a:r>
             </a:p>
             <a:p>
@@ -5973,43 +5951,8 @@
                   <a:ea typeface="Calibri" panose="020F0502020204030204" pitchFamily="34" charset="0"/>
                   <a:cs typeface="Arial" panose="020B0604020202020204" pitchFamily="34" charset="0"/>
                 </a:rPr>
-                <a:t>Allows users to manage their time effectively and efficiently</a:t>
+                <a:t>Making sure the calendar lined up correctly when navigating between weeks</a:t>
               </a:r>
-              <a:endParaRPr lang="en-US" sz="2800" dirty="0">
-                <a:solidFill>
-                  <a:schemeClr val="tx1"/>
-                </a:solidFill>
-                <a:effectLst/>
-                <a:latin typeface="Arial" panose="020B0604020202020204" pitchFamily="34" charset="0"/>
-                <a:ea typeface="Calibri" panose="020F0502020204030204" pitchFamily="34" charset="0"/>
-                <a:cs typeface="Arial" panose="020B0604020202020204" pitchFamily="34" charset="0"/>
-              </a:endParaRPr>
-            </a:p>
-            <a:p>
-              <a:pPr marL="457200" indent="-457200">
-                <a:buFont typeface="Arial" panose="020B0604020202020204" pitchFamily="34" charset="0"/>
-                <a:buChar char="•"/>
-              </a:pPr>
-              <a:r>
-                <a:rPr lang="en-US" sz="2800" dirty="0">
-                  <a:solidFill>
-                    <a:schemeClr val="tx1"/>
-                  </a:solidFill>
-                  <a:latin typeface="Arial" panose="020B0604020202020204" pitchFamily="34" charset="0"/>
-                  <a:ea typeface="Calibri" panose="020F0502020204030204" pitchFamily="34" charset="0"/>
-                  <a:cs typeface="Arial" panose="020B0604020202020204" pitchFamily="34" charset="0"/>
-                </a:rPr>
-                <a:t>A visual way for users to lay out their jobs</a:t>
-              </a:r>
-              <a:endParaRPr lang="en-GB" sz="2800" dirty="0">
-                <a:solidFill>
-                  <a:schemeClr val="tx1"/>
-                </a:solidFill>
-                <a:effectLst/>
-                <a:latin typeface="Arial" panose="020B0604020202020204" pitchFamily="34" charset="0"/>
-                <a:ea typeface="Calibri" panose="020F0502020204030204" pitchFamily="34" charset="0"/>
-                <a:cs typeface="Arial" panose="020B0604020202020204" pitchFamily="34" charset="0"/>
-              </a:endParaRPr>
             </a:p>
           </p:txBody>
         </p:sp>
@@ -6724,8 +6667,8 @@
           </p:nvSpPr>
           <p:spPr>
             <a:xfrm>
-              <a:off x="2518611" y="5525380"/>
-              <a:ext cx="6272464" cy="3970318"/>
+              <a:off x="2518611" y="5110619"/>
+              <a:ext cx="6272464" cy="4799851"/>
             </a:xfrm>
             <a:prstGeom prst="rect">
               <a:avLst/>
@@ -6751,7 +6694,7 @@
                   <a:ea typeface="Calibri" panose="020F0502020204030204" pitchFamily="34" charset="0"/>
                   <a:cs typeface="Arial" panose="020B0604020202020204" pitchFamily="34" charset="0"/>
                 </a:rPr>
-                <a:t>To allow users to manage tasks that they need to complete</a:t>
+                <a:t>Register/log in to an account so the application can be accessed from anywhere</a:t>
               </a:r>
             </a:p>
             <a:p>
@@ -6761,14 +6704,20 @@
               </a:pPr>
               <a:r>
                 <a:rPr lang="en-GB" sz="2800" dirty="0">
-                  <a:solidFill>
-                    <a:schemeClr val="tx1"/>
-                  </a:solidFill>
+                  <a:effectLst/>
                   <a:latin typeface="Arial" panose="020B0604020202020204" pitchFamily="34" charset="0"/>
                   <a:ea typeface="Calibri" panose="020F0502020204030204" pitchFamily="34" charset="0"/>
                   <a:cs typeface="Arial" panose="020B0604020202020204" pitchFamily="34" charset="0"/>
                 </a:rPr>
-                <a:t>The user can assign tasks to different days that they need to be completed by</a:t>
+                <a:t>Reminders can be created to allow </a:t>
+              </a:r>
+              <a:r>
+                <a:rPr lang="en-GB" sz="2800" dirty="0">
+                  <a:latin typeface="Arial" panose="020B0604020202020204" pitchFamily="34" charset="0"/>
+                  <a:ea typeface="Calibri" panose="020F0502020204030204" pitchFamily="34" charset="0"/>
+                  <a:cs typeface="Arial" panose="020B0604020202020204" pitchFamily="34" charset="0"/>
+                </a:rPr>
+                <a:t>users to plan their time</a:t>
               </a:r>
             </a:p>
             <a:p>
@@ -6778,25 +6727,12 @@
               </a:pPr>
               <a:r>
                 <a:rPr lang="en-GB" sz="2800" dirty="0">
-                  <a:solidFill>
-                    <a:schemeClr val="tx1"/>
-                  </a:solidFill>
-                  <a:effectLst/>
                   <a:latin typeface="Arial" panose="020B0604020202020204" pitchFamily="34" charset="0"/>
                   <a:ea typeface="Calibri" panose="020F0502020204030204" pitchFamily="34" charset="0"/>
                   <a:cs typeface="Arial" panose="020B0604020202020204" pitchFamily="34" charset="0"/>
                 </a:rPr>
-                <a:t>Allows users to manage their time effectively and efficiently</a:t>
+                <a:t>Reminders can be edited and completed once created</a:t>
               </a:r>
-              <a:endParaRPr lang="en-US" sz="2800" dirty="0">
-                <a:solidFill>
-                  <a:schemeClr val="tx1"/>
-                </a:solidFill>
-                <a:effectLst/>
-                <a:latin typeface="Arial" panose="020B0604020202020204" pitchFamily="34" charset="0"/>
-                <a:ea typeface="Calibri" panose="020F0502020204030204" pitchFamily="34" charset="0"/>
-                <a:cs typeface="Arial" panose="020B0604020202020204" pitchFamily="34" charset="0"/>
-              </a:endParaRPr>
             </a:p>
             <a:p>
               <a:pPr marL="457200" indent="-457200">
@@ -6804,25 +6740,13 @@
                 <a:buChar char="•"/>
               </a:pPr>
               <a:r>
-                <a:rPr lang="en-US" sz="2800" dirty="0">
-                  <a:solidFill>
-                    <a:schemeClr val="tx1"/>
-                  </a:solidFill>
+                <a:rPr lang="en-GB" sz="2800" dirty="0">
                   <a:latin typeface="Arial" panose="020B0604020202020204" pitchFamily="34" charset="0"/>
                   <a:ea typeface="Calibri" panose="020F0502020204030204" pitchFamily="34" charset="0"/>
                   <a:cs typeface="Arial" panose="020B0604020202020204" pitchFamily="34" charset="0"/>
                 </a:rPr>
-                <a:t>A visual way for users to lay out their jobs</a:t>
+                <a:t>Theme can toggle between light and dark</a:t>
               </a:r>
-              <a:endParaRPr lang="en-GB" sz="2800" dirty="0">
-                <a:solidFill>
-                  <a:schemeClr val="tx1"/>
-                </a:solidFill>
-                <a:effectLst/>
-                <a:latin typeface="Arial" panose="020B0604020202020204" pitchFamily="34" charset="0"/>
-                <a:ea typeface="Calibri" panose="020F0502020204030204" pitchFamily="34" charset="0"/>
-                <a:cs typeface="Arial" panose="020B0604020202020204" pitchFamily="34" charset="0"/>
-              </a:endParaRPr>
             </a:p>
           </p:txBody>
         </p:sp>
@@ -8727,16 +8651,16 @@
 <file path=customXml/itemProps3.xml><?xml version="1.0" encoding="utf-8"?>
 <ds:datastoreItem xmlns:ds="http://schemas.openxmlformats.org/officeDocument/2006/customXml" ds:itemID="{48338919-CAB7-4AC9-BE2B-610C7C37C733}">
   <ds:schemaRefs>
-    <ds:schemaRef ds:uri="72339acb-e8cc-4142-9dab-9dca3e7dada8"/>
-    <ds:schemaRef ds:uri="http://schemas.microsoft.com/office/2006/documentManagement/types"/>
-    <ds:schemaRef ds:uri="http://purl.org/dc/terms/"/>
+    <ds:schemaRef ds:uri="http://www.w3.org/XML/1998/namespace"/>
+    <ds:schemaRef ds:uri="http://schemas.openxmlformats.org/package/2006/metadata/core-properties"/>
     <ds:schemaRef ds:uri="http://schemas.microsoft.com/office/2006/metadata/properties"/>
     <ds:schemaRef ds:uri="http://schemas.microsoft.com/office/infopath/2007/PartnerControls"/>
-    <ds:schemaRef ds:uri="http://schemas.openxmlformats.org/package/2006/metadata/core-properties"/>
+    <ds:schemaRef ds:uri="http://purl.org/dc/dcmitype/"/>
+    <ds:schemaRef ds:uri="http://purl.org/dc/terms/"/>
+    <ds:schemaRef ds:uri="http://schemas.microsoft.com/office/2006/documentManagement/types"/>
     <ds:schemaRef ds:uri="http://purl.org/dc/elements/1.1/"/>
-    <ds:schemaRef ds:uri="http://purl.org/dc/dcmitype/"/>
     <ds:schemaRef ds:uri="dc781de3-bafc-4db7-a392-5d8a9e9bc0f5"/>
-    <ds:schemaRef ds:uri="http://www.w3.org/XML/1998/namespace"/>
+    <ds:schemaRef ds:uri="72339acb-e8cc-4142-9dab-9dca3e7dada8"/>
   </ds:schemaRefs>
 </ds:datastoreItem>
 </file>